--- a/presentations/04 - Batch.pptx
+++ b/presentations/04 - Batch.pptx
@@ -5,10 +5,10 @@
     <p:sldMasterId id="2147483660" r:id="rId4"/>
   </p:sldMasterIdLst>
   <p:notesMasterIdLst>
-    <p:notesMasterId r:id="rId17"/>
+    <p:notesMasterId r:id="rId22"/>
   </p:notesMasterIdLst>
   <p:handoutMasterIdLst>
-    <p:handoutMasterId r:id="rId18"/>
+    <p:handoutMasterId r:id="rId23"/>
   </p:handoutMasterIdLst>
   <p:sldIdLst>
     <p:sldId id="271" r:id="rId5"/>
@@ -21,8 +21,13 @@
     <p:sldId id="288" r:id="rId12"/>
     <p:sldId id="289" r:id="rId13"/>
     <p:sldId id="291" r:id="rId14"/>
-    <p:sldId id="290" r:id="rId15"/>
-    <p:sldId id="269" r:id="rId16"/>
+    <p:sldId id="292" r:id="rId15"/>
+    <p:sldId id="290" r:id="rId16"/>
+    <p:sldId id="294" r:id="rId17"/>
+    <p:sldId id="295" r:id="rId18"/>
+    <p:sldId id="296" r:id="rId19"/>
+    <p:sldId id="293" r:id="rId20"/>
+    <p:sldId id="269" r:id="rId21"/>
   </p:sldIdLst>
   <p:sldSz cx="12192000" cy="6858000"/>
   <p:notesSz cx="6858000" cy="9144000"/>
@@ -801,10 +806,10 @@
               <a:t> ourselves we would need to have a pool of virtual machines. They would need to use blob storage to contain the inputs and outputs from each task. We would also need to tie in some form of automatic </a:t>
             </a:r>
             <a:r>
-              <a:rPr lang="en-US" baseline="0" smtClean="0"/>
+              <a:rPr lang="en-US" baseline="0" dirty="0" err="1" smtClean="0"/>
               <a:t>scalling</a:t>
             </a:r>
-            <a:endParaRPr lang="en-US"/>
+            <a:endParaRPr lang="en-US" dirty="0"/>
           </a:p>
         </p:txBody>
       </p:sp>
@@ -835,6 +840,374 @@
     <p:extLst>
       <p:ext uri="{BB962C8B-B14F-4D97-AF65-F5344CB8AC3E}">
         <p14:creationId xmlns:p14="http://schemas.microsoft.com/office/powerpoint/2010/main" val="2943292502"/>
+      </p:ext>
+    </p:extLst>
+  </p:cSld>
+  <p:clrMapOvr>
+    <a:masterClrMapping/>
+  </p:clrMapOvr>
+</p:notes>
+</file>
+
+<file path=ppt/notesSlides/notesSlide11.xml><?xml version="1.0" encoding="utf-8"?>
+<p:notes xmlns:a="http://schemas.openxmlformats.org/drawingml/2006/main" xmlns:r="http://schemas.openxmlformats.org/officeDocument/2006/relationships" xmlns:p="http://schemas.openxmlformats.org/presentationml/2006/main">
+  <p:cSld>
+    <p:spTree>
+      <p:nvGrpSpPr>
+        <p:cNvPr id="1" name=""/>
+        <p:cNvGrpSpPr/>
+        <p:nvPr/>
+      </p:nvGrpSpPr>
+      <p:grpSpPr>
+        <a:xfrm>
+          <a:off x="0" y="0"/>
+          <a:ext cx="0" cy="0"/>
+          <a:chOff x="0" y="0"/>
+          <a:chExt cx="0" cy="0"/>
+        </a:xfrm>
+      </p:grpSpPr>
+      <p:sp>
+        <p:nvSpPr>
+          <p:cNvPr id="2" name="Slide Image Placeholder 1"/>
+          <p:cNvSpPr>
+            <a:spLocks noGrp="1" noRot="1" noChangeAspect="1"/>
+          </p:cNvSpPr>
+          <p:nvPr>
+            <p:ph type="sldImg"/>
+          </p:nvPr>
+        </p:nvSpPr>
+        <p:spPr/>
+      </p:sp>
+      <p:sp>
+        <p:nvSpPr>
+          <p:cNvPr id="3" name="Notes Placeholder 2"/>
+          <p:cNvSpPr>
+            <a:spLocks noGrp="1"/>
+          </p:cNvSpPr>
+          <p:nvPr>
+            <p:ph type="body" idx="1"/>
+          </p:nvPr>
+        </p:nvSpPr>
+        <p:spPr/>
+        <p:txBody>
+          <a:bodyPr/>
+          <a:lstStyle/>
+          <a:p>
+            <a:r>
+              <a:rPr lang="en-US" dirty="0" smtClean="0"/>
+              <a:t>To build batch</a:t>
+            </a:r>
+            <a:r>
+              <a:rPr lang="en-US" baseline="0" dirty="0" smtClean="0"/>
+              <a:t> ourselves we would need to have a pool of virtual machines. They would need to use blob storage to contain the inputs and outputs from each task. We would also need to tie in some form of automatic scaling</a:t>
+            </a:r>
+            <a:endParaRPr lang="en-US" dirty="0"/>
+          </a:p>
+        </p:txBody>
+      </p:sp>
+      <p:sp>
+        <p:nvSpPr>
+          <p:cNvPr id="4" name="Slide Number Placeholder 3"/>
+          <p:cNvSpPr>
+            <a:spLocks noGrp="1"/>
+          </p:cNvSpPr>
+          <p:nvPr>
+            <p:ph type="sldNum" sz="quarter" idx="10"/>
+          </p:nvPr>
+        </p:nvSpPr>
+        <p:spPr/>
+        <p:txBody>
+          <a:bodyPr/>
+          <a:lstStyle/>
+          <a:p>
+            <a:fld id="{4CFD207A-07DF-40AD-A916-9872E089CE7A}" type="slidenum">
+              <a:rPr lang="en-US" smtClean="0"/>
+              <a:t>11</a:t>
+            </a:fld>
+            <a:endParaRPr lang="en-US"/>
+          </a:p>
+        </p:txBody>
+      </p:sp>
+    </p:spTree>
+    <p:extLst>
+      <p:ext uri="{BB962C8B-B14F-4D97-AF65-F5344CB8AC3E}">
+        <p14:creationId xmlns:p14="http://schemas.microsoft.com/office/powerpoint/2010/main" val="2968583330"/>
+      </p:ext>
+    </p:extLst>
+  </p:cSld>
+  <p:clrMapOvr>
+    <a:masterClrMapping/>
+  </p:clrMapOvr>
+</p:notes>
+</file>
+
+<file path=ppt/notesSlides/notesSlide12.xml><?xml version="1.0" encoding="utf-8"?>
+<p:notes xmlns:a="http://schemas.openxmlformats.org/drawingml/2006/main" xmlns:r="http://schemas.openxmlformats.org/officeDocument/2006/relationships" xmlns:p="http://schemas.openxmlformats.org/presentationml/2006/main">
+  <p:cSld>
+    <p:spTree>
+      <p:nvGrpSpPr>
+        <p:cNvPr id="1" name=""/>
+        <p:cNvGrpSpPr/>
+        <p:nvPr/>
+      </p:nvGrpSpPr>
+      <p:grpSpPr>
+        <a:xfrm>
+          <a:off x="0" y="0"/>
+          <a:ext cx="0" cy="0"/>
+          <a:chOff x="0" y="0"/>
+          <a:chExt cx="0" cy="0"/>
+        </a:xfrm>
+      </p:grpSpPr>
+      <p:sp>
+        <p:nvSpPr>
+          <p:cNvPr id="2" name="Slide Image Placeholder 1"/>
+          <p:cNvSpPr>
+            <a:spLocks noGrp="1" noRot="1" noChangeAspect="1"/>
+          </p:cNvSpPr>
+          <p:nvPr>
+            <p:ph type="sldImg"/>
+          </p:nvPr>
+        </p:nvSpPr>
+        <p:spPr/>
+      </p:sp>
+      <p:sp>
+        <p:nvSpPr>
+          <p:cNvPr id="3" name="Notes Placeholder 2"/>
+          <p:cNvSpPr>
+            <a:spLocks noGrp="1"/>
+          </p:cNvSpPr>
+          <p:nvPr>
+            <p:ph type="body" idx="1"/>
+          </p:nvPr>
+        </p:nvSpPr>
+        <p:spPr/>
+        <p:txBody>
+          <a:bodyPr/>
+          <a:lstStyle/>
+          <a:p>
+            <a:r>
+              <a:rPr lang="en-US" dirty="0" smtClean="0"/>
+              <a:t>After this we’re going to drop to code to see setting up a pool</a:t>
+            </a:r>
+            <a:r>
+              <a:rPr lang="en-US" baseline="0" dirty="0" smtClean="0"/>
+              <a:t> and jobs and tasks</a:t>
+            </a:r>
+            <a:endParaRPr lang="en-US" dirty="0"/>
+          </a:p>
+        </p:txBody>
+      </p:sp>
+      <p:sp>
+        <p:nvSpPr>
+          <p:cNvPr id="4" name="Slide Number Placeholder 3"/>
+          <p:cNvSpPr>
+            <a:spLocks noGrp="1"/>
+          </p:cNvSpPr>
+          <p:nvPr>
+            <p:ph type="sldNum" sz="quarter" idx="10"/>
+          </p:nvPr>
+        </p:nvSpPr>
+        <p:spPr/>
+        <p:txBody>
+          <a:bodyPr/>
+          <a:lstStyle/>
+          <a:p>
+            <a:fld id="{4CFD207A-07DF-40AD-A916-9872E089CE7A}" type="slidenum">
+              <a:rPr lang="en-US" smtClean="0"/>
+              <a:t>12</a:t>
+            </a:fld>
+            <a:endParaRPr lang="en-US"/>
+          </a:p>
+        </p:txBody>
+      </p:sp>
+    </p:spTree>
+    <p:extLst>
+      <p:ext uri="{BB962C8B-B14F-4D97-AF65-F5344CB8AC3E}">
+        <p14:creationId xmlns:p14="http://schemas.microsoft.com/office/powerpoint/2010/main" val="226504828"/>
+      </p:ext>
+    </p:extLst>
+  </p:cSld>
+  <p:clrMapOvr>
+    <a:masterClrMapping/>
+  </p:clrMapOvr>
+</p:notes>
+</file>
+
+<file path=ppt/notesSlides/notesSlide13.xml><?xml version="1.0" encoding="utf-8"?>
+<p:notes xmlns:a="http://schemas.openxmlformats.org/drawingml/2006/main" xmlns:r="http://schemas.openxmlformats.org/officeDocument/2006/relationships" xmlns:p="http://schemas.openxmlformats.org/presentationml/2006/main">
+  <p:cSld>
+    <p:spTree>
+      <p:nvGrpSpPr>
+        <p:cNvPr id="1" name=""/>
+        <p:cNvGrpSpPr/>
+        <p:nvPr/>
+      </p:nvGrpSpPr>
+      <p:grpSpPr>
+        <a:xfrm>
+          <a:off x="0" y="0"/>
+          <a:ext cx="0" cy="0"/>
+          <a:chOff x="0" y="0"/>
+          <a:chExt cx="0" cy="0"/>
+        </a:xfrm>
+      </p:grpSpPr>
+      <p:sp>
+        <p:nvSpPr>
+          <p:cNvPr id="2" name="Slide Image Placeholder 1"/>
+          <p:cNvSpPr>
+            <a:spLocks noGrp="1" noRot="1" noChangeAspect="1"/>
+          </p:cNvSpPr>
+          <p:nvPr>
+            <p:ph type="sldImg"/>
+          </p:nvPr>
+        </p:nvSpPr>
+        <p:spPr/>
+      </p:sp>
+      <p:sp>
+        <p:nvSpPr>
+          <p:cNvPr id="3" name="Notes Placeholder 2"/>
+          <p:cNvSpPr>
+            <a:spLocks noGrp="1"/>
+          </p:cNvSpPr>
+          <p:nvPr>
+            <p:ph type="body" idx="1"/>
+          </p:nvPr>
+        </p:nvSpPr>
+        <p:spPr/>
+        <p:txBody>
+          <a:bodyPr/>
+          <a:lstStyle/>
+          <a:p>
+            <a:r>
+              <a:rPr lang="en-US" dirty="0" smtClean="0"/>
+              <a:t>We can schedule tasks to run at a particular time. You might</a:t>
+            </a:r>
+            <a:r>
+              <a:rPr lang="en-US" baseline="0" dirty="0" smtClean="0"/>
+              <a:t> want to do this if you’re doing month end processing or year end processing or even if you have a task that can run when the pool isn’t so hot. Say you do 90% of your traffic during the working day then you could schedule maintenance tasks after the work day when the pool isn’t so hot but you don’t want to spin down all the instances</a:t>
+            </a:r>
+            <a:endParaRPr lang="en-US" dirty="0"/>
+          </a:p>
+        </p:txBody>
+      </p:sp>
+      <p:sp>
+        <p:nvSpPr>
+          <p:cNvPr id="4" name="Slide Number Placeholder 3"/>
+          <p:cNvSpPr>
+            <a:spLocks noGrp="1"/>
+          </p:cNvSpPr>
+          <p:nvPr>
+            <p:ph type="sldNum" sz="quarter" idx="10"/>
+          </p:nvPr>
+        </p:nvSpPr>
+        <p:spPr/>
+        <p:txBody>
+          <a:bodyPr/>
+          <a:lstStyle/>
+          <a:p>
+            <a:fld id="{4CFD207A-07DF-40AD-A916-9872E089CE7A}" type="slidenum">
+              <a:rPr lang="en-US" smtClean="0"/>
+              <a:t>14</a:t>
+            </a:fld>
+            <a:endParaRPr lang="en-US"/>
+          </a:p>
+        </p:txBody>
+      </p:sp>
+    </p:spTree>
+    <p:extLst>
+      <p:ext uri="{BB962C8B-B14F-4D97-AF65-F5344CB8AC3E}">
+        <p14:creationId xmlns:p14="http://schemas.microsoft.com/office/powerpoint/2010/main" val="1541042620"/>
+      </p:ext>
+    </p:extLst>
+  </p:cSld>
+  <p:clrMapOvr>
+    <a:masterClrMapping/>
+  </p:clrMapOvr>
+</p:notes>
+</file>
+
+<file path=ppt/notesSlides/notesSlide14.xml><?xml version="1.0" encoding="utf-8"?>
+<p:notes xmlns:a="http://schemas.openxmlformats.org/drawingml/2006/main" xmlns:r="http://schemas.openxmlformats.org/officeDocument/2006/relationships" xmlns:p="http://schemas.openxmlformats.org/presentationml/2006/main">
+  <p:cSld>
+    <p:spTree>
+      <p:nvGrpSpPr>
+        <p:cNvPr id="1" name=""/>
+        <p:cNvGrpSpPr/>
+        <p:nvPr/>
+      </p:nvGrpSpPr>
+      <p:grpSpPr>
+        <a:xfrm>
+          <a:off x="0" y="0"/>
+          <a:ext cx="0" cy="0"/>
+          <a:chOff x="0" y="0"/>
+          <a:chExt cx="0" cy="0"/>
+        </a:xfrm>
+      </p:grpSpPr>
+      <p:sp>
+        <p:nvSpPr>
+          <p:cNvPr id="2" name="Slide Image Placeholder 1"/>
+          <p:cNvSpPr>
+            <a:spLocks noGrp="1" noRot="1" noChangeAspect="1"/>
+          </p:cNvSpPr>
+          <p:nvPr>
+            <p:ph type="sldImg"/>
+          </p:nvPr>
+        </p:nvSpPr>
+        <p:spPr/>
+      </p:sp>
+      <p:sp>
+        <p:nvSpPr>
+          <p:cNvPr id="3" name="Notes Placeholder 2"/>
+          <p:cNvSpPr>
+            <a:spLocks noGrp="1"/>
+          </p:cNvSpPr>
+          <p:nvPr>
+            <p:ph type="body" idx="1"/>
+          </p:nvPr>
+        </p:nvSpPr>
+        <p:spPr/>
+        <p:txBody>
+          <a:bodyPr/>
+          <a:lstStyle/>
+          <a:p>
+            <a:r>
+              <a:rPr lang="en-US" dirty="0" smtClean="0"/>
+              <a:t>Can</a:t>
+            </a:r>
+            <a:r>
+              <a:rPr lang="en-US" baseline="0" dirty="0" smtClean="0"/>
+              <a:t> be scaled right to the moon. Literally 10s of thousands of nodes. I can’t imagine many scenarios where you would need that but something like protein folding would be a good example. Really doesn’t cost you any more to run experiments quickly on many nodes than slowly on few nodes. All you’re paying is the startup time</a:t>
+            </a:r>
+            <a:endParaRPr lang="en-US" dirty="0"/>
+          </a:p>
+        </p:txBody>
+      </p:sp>
+      <p:sp>
+        <p:nvSpPr>
+          <p:cNvPr id="4" name="Slide Number Placeholder 3"/>
+          <p:cNvSpPr>
+            <a:spLocks noGrp="1"/>
+          </p:cNvSpPr>
+          <p:nvPr>
+            <p:ph type="sldNum" sz="quarter" idx="10"/>
+          </p:nvPr>
+        </p:nvSpPr>
+        <p:spPr/>
+        <p:txBody>
+          <a:bodyPr/>
+          <a:lstStyle/>
+          <a:p>
+            <a:fld id="{4CFD207A-07DF-40AD-A916-9872E089CE7A}" type="slidenum">
+              <a:rPr lang="en-US" smtClean="0"/>
+              <a:t>15</a:t>
+            </a:fld>
+            <a:endParaRPr lang="en-US"/>
+          </a:p>
+        </p:txBody>
+      </p:sp>
+    </p:spTree>
+    <p:extLst>
+      <p:ext uri="{BB962C8B-B14F-4D97-AF65-F5344CB8AC3E}">
+        <p14:creationId xmlns:p14="http://schemas.microsoft.com/office/powerpoint/2010/main" val="1559743551"/>
       </p:ext>
     </p:extLst>
   </p:cSld>
@@ -4092,6 +4465,153 @@
           <a:p>
             <a:r>
               <a:rPr lang="en-US" dirty="0" smtClean="0"/>
+              <a:t>Things to consider</a:t>
+            </a:r>
+            <a:endParaRPr lang="en-US" dirty="0"/>
+          </a:p>
+        </p:txBody>
+      </p:sp>
+      <p:sp>
+        <p:nvSpPr>
+          <p:cNvPr id="9" name="TextBox 8"/>
+          <p:cNvSpPr txBox="1"/>
+          <p:nvPr/>
+        </p:nvSpPr>
+        <p:spPr>
+          <a:xfrm>
+            <a:off x="9906000" y="-1"/>
+            <a:ext cx="2286000" cy="2031325"/>
+          </a:xfrm>
+          <a:prstGeom prst="rect">
+            <a:avLst/>
+          </a:prstGeom>
+          <a:solidFill>
+            <a:srgbClr val="FFFF00"/>
+          </a:solidFill>
+          <a:ln>
+            <a:noFill/>
+          </a:ln>
+        </p:spPr>
+        <p:txBody>
+          <a:bodyPr wrap="square" rtlCol="0">
+            <a:spAutoFit/>
+          </a:bodyPr>
+          <a:lstStyle/>
+          <a:p>
+            <a:pPr algn="ctr"/>
+            <a:endParaRPr lang="en-US" dirty="0" smtClean="0"/>
+          </a:p>
+          <a:p>
+            <a:pPr algn="ctr"/>
+            <a:endParaRPr lang="en-US" dirty="0"/>
+          </a:p>
+          <a:p>
+            <a:pPr algn="ctr"/>
+            <a:r>
+              <a:rPr lang="en-US" dirty="0" smtClean="0"/>
+              <a:t>Please leave this area blank to allow for picture in picture recording</a:t>
+            </a:r>
+          </a:p>
+          <a:p>
+            <a:pPr algn="ctr"/>
+            <a:endParaRPr lang="en-US" dirty="0"/>
+          </a:p>
+        </p:txBody>
+      </p:sp>
+      <p:sp>
+        <p:nvSpPr>
+          <p:cNvPr id="10" name="Content Placeholder 3"/>
+          <p:cNvSpPr>
+            <a:spLocks noGrp="1"/>
+          </p:cNvSpPr>
+          <p:nvPr>
+            <p:ph sz="quarter" idx="10"/>
+          </p:nvPr>
+        </p:nvSpPr>
+        <p:spPr>
+          <a:xfrm>
+            <a:off x="379413" y="1388226"/>
+            <a:ext cx="11525250" cy="5290388"/>
+          </a:xfrm>
+        </p:spPr>
+        <p:txBody>
+          <a:bodyPr/>
+          <a:lstStyle/>
+          <a:p>
+            <a:r>
+              <a:rPr lang="en-US" dirty="0" smtClean="0"/>
+              <a:t>Retry logic</a:t>
+            </a:r>
+          </a:p>
+          <a:p>
+            <a:r>
+              <a:rPr lang="en-US" dirty="0" smtClean="0"/>
+              <a:t>How to scale up and down</a:t>
+            </a:r>
+          </a:p>
+          <a:p>
+            <a:r>
+              <a:rPr lang="en-US" dirty="0" smtClean="0"/>
+              <a:t>Storage of artifacts</a:t>
+            </a:r>
+            <a:endParaRPr lang="en-US" dirty="0"/>
+          </a:p>
+        </p:txBody>
+      </p:sp>
+    </p:spTree>
+    <p:extLst>
+      <p:ext uri="{BB962C8B-B14F-4D97-AF65-F5344CB8AC3E}">
+        <p14:creationId xmlns:p14="http://schemas.microsoft.com/office/powerpoint/2010/main" val="1479709985"/>
+      </p:ext>
+    </p:extLst>
+  </p:cSld>
+  <p:clrMapOvr>
+    <a:masterClrMapping/>
+  </p:clrMapOvr>
+  <p:timing>
+    <p:tnLst>
+      <p:par>
+        <p:cTn id="1" dur="indefinite" restart="never" nodeType="tmRoot"/>
+      </p:par>
+    </p:tnLst>
+  </p:timing>
+</p:sld>
+</file>
+
+<file path=ppt/slides/slide12.xml><?xml version="1.0" encoding="utf-8"?>
+<p:sld xmlns:a="http://schemas.openxmlformats.org/drawingml/2006/main" xmlns:r="http://schemas.openxmlformats.org/officeDocument/2006/relationships" xmlns:p="http://schemas.openxmlformats.org/presentationml/2006/main">
+  <p:cSld>
+    <p:spTree>
+      <p:nvGrpSpPr>
+        <p:cNvPr id="1" name=""/>
+        <p:cNvGrpSpPr/>
+        <p:nvPr/>
+      </p:nvGrpSpPr>
+      <p:grpSpPr>
+        <a:xfrm>
+          <a:off x="0" y="0"/>
+          <a:ext cx="0" cy="0"/>
+          <a:chOff x="0" y="0"/>
+          <a:chExt cx="0" cy="0"/>
+        </a:xfrm>
+      </p:grpSpPr>
+      <p:sp>
+        <p:nvSpPr>
+          <p:cNvPr id="2" name="Title 1"/>
+          <p:cNvSpPr>
+            <a:spLocks noGrp="1"/>
+          </p:cNvSpPr>
+          <p:nvPr>
+            <p:ph type="title"/>
+          </p:nvPr>
+        </p:nvSpPr>
+        <p:spPr/>
+        <p:txBody>
+          <a:bodyPr/>
+          <a:lstStyle/>
+          <a:p>
+            <a:r>
+              <a:rPr lang="en-US" dirty="0" smtClean="0"/>
               <a:t>Batches on Azure</a:t>
             </a:r>
             <a:endParaRPr lang="en-US" dirty="0"/>
@@ -4109,7 +4629,7 @@
           </p:nvPr>
         </p:nvPicPr>
         <p:blipFill>
-          <a:blip r:embed="rId2">
+          <a:blip r:embed="rId3">
             <a:extLst>
               <a:ext uri="{28A0092B-C50C-407E-A947-70E740481C1C}">
                 <a14:useLocalDpi xmlns:a14="http://schemas.microsoft.com/office/drawing/2010/main" val="0"/>
@@ -4127,6 +4647,53 @@
           </a:xfrm>
         </p:spPr>
       </p:pic>
+      <p:sp>
+        <p:nvSpPr>
+          <p:cNvPr id="5" name="TextBox 4"/>
+          <p:cNvSpPr txBox="1"/>
+          <p:nvPr/>
+        </p:nvSpPr>
+        <p:spPr>
+          <a:xfrm>
+            <a:off x="9906000" y="-1"/>
+            <a:ext cx="2286000" cy="2031325"/>
+          </a:xfrm>
+          <a:prstGeom prst="rect">
+            <a:avLst/>
+          </a:prstGeom>
+          <a:solidFill>
+            <a:srgbClr val="FFFF00"/>
+          </a:solidFill>
+          <a:ln>
+            <a:noFill/>
+          </a:ln>
+        </p:spPr>
+        <p:txBody>
+          <a:bodyPr wrap="square" rtlCol="0">
+            <a:spAutoFit/>
+          </a:bodyPr>
+          <a:lstStyle/>
+          <a:p>
+            <a:pPr algn="ctr"/>
+            <a:endParaRPr lang="en-US" dirty="0" smtClean="0"/>
+          </a:p>
+          <a:p>
+            <a:pPr algn="ctr"/>
+            <a:endParaRPr lang="en-US" dirty="0"/>
+          </a:p>
+          <a:p>
+            <a:pPr algn="ctr"/>
+            <a:r>
+              <a:rPr lang="en-US" dirty="0" smtClean="0"/>
+              <a:t>Please leave this area blank to allow for picture in picture recording</a:t>
+            </a:r>
+          </a:p>
+          <a:p>
+            <a:pPr algn="ctr"/>
+            <a:endParaRPr lang="en-US" dirty="0"/>
+          </a:p>
+        </p:txBody>
+      </p:sp>
     </p:spTree>
     <p:extLst>
       <p:ext uri="{BB962C8B-B14F-4D97-AF65-F5344CB8AC3E}">
@@ -4147,7 +4714,519 @@
 </p:sld>
 </file>
 
-<file path=ppt/slides/slide12.xml><?xml version="1.0" encoding="utf-8"?>
+<file path=ppt/slides/slide13.xml><?xml version="1.0" encoding="utf-8"?>
+<p:sld xmlns:a="http://schemas.openxmlformats.org/drawingml/2006/main" xmlns:r="http://schemas.openxmlformats.org/officeDocument/2006/relationships" xmlns:p="http://schemas.openxmlformats.org/presentationml/2006/main">
+  <p:cSld>
+    <p:spTree>
+      <p:nvGrpSpPr>
+        <p:cNvPr id="1" name=""/>
+        <p:cNvGrpSpPr/>
+        <p:nvPr/>
+      </p:nvGrpSpPr>
+      <p:grpSpPr>
+        <a:xfrm>
+          <a:off x="0" y="0"/>
+          <a:ext cx="0" cy="0"/>
+          <a:chOff x="0" y="0"/>
+          <a:chExt cx="0" cy="0"/>
+        </a:xfrm>
+      </p:grpSpPr>
+      <p:sp>
+        <p:nvSpPr>
+          <p:cNvPr id="2" name="Title 1"/>
+          <p:cNvSpPr>
+            <a:spLocks noGrp="1"/>
+          </p:cNvSpPr>
+          <p:nvPr>
+            <p:ph type="title"/>
+          </p:nvPr>
+        </p:nvSpPr>
+        <p:spPr/>
+        <p:txBody>
+          <a:bodyPr/>
+          <a:lstStyle/>
+          <a:p>
+            <a:r>
+              <a:rPr lang="en-US" dirty="0" smtClean="0"/>
+              <a:t>Lifecycle</a:t>
+            </a:r>
+            <a:endParaRPr lang="en-US" dirty="0"/>
+          </a:p>
+        </p:txBody>
+      </p:sp>
+      <p:pic>
+        <p:nvPicPr>
+          <p:cNvPr id="4" name="Content Placeholder 3"/>
+          <p:cNvPicPr>
+            <a:picLocks noGrp="1" noChangeAspect="1"/>
+          </p:cNvPicPr>
+          <p:nvPr>
+            <p:ph sz="quarter" idx="10"/>
+          </p:nvPr>
+        </p:nvPicPr>
+        <p:blipFill>
+          <a:blip r:embed="rId2">
+            <a:extLst>
+              <a:ext uri="{28A0092B-C50C-407E-A947-70E740481C1C}">
+                <a14:useLocalDpi xmlns:a14="http://schemas.microsoft.com/office/drawing/2010/main" val="0"/>
+              </a:ext>
+            </a:extLst>
+          </a:blip>
+          <a:stretch>
+            <a:fillRect/>
+          </a:stretch>
+        </p:blipFill>
+        <p:spPr>
+          <a:xfrm>
+            <a:off x="965958" y="1819373"/>
+            <a:ext cx="10701195" cy="3328650"/>
+          </a:xfrm>
+        </p:spPr>
+      </p:pic>
+      <p:sp>
+        <p:nvSpPr>
+          <p:cNvPr id="5" name="TextBox 4"/>
+          <p:cNvSpPr txBox="1"/>
+          <p:nvPr/>
+        </p:nvSpPr>
+        <p:spPr>
+          <a:xfrm>
+            <a:off x="9906000" y="-1"/>
+            <a:ext cx="2286000" cy="2031325"/>
+          </a:xfrm>
+          <a:prstGeom prst="rect">
+            <a:avLst/>
+          </a:prstGeom>
+          <a:solidFill>
+            <a:srgbClr val="FFFF00"/>
+          </a:solidFill>
+          <a:ln>
+            <a:noFill/>
+          </a:ln>
+        </p:spPr>
+        <p:txBody>
+          <a:bodyPr wrap="square" rtlCol="0">
+            <a:spAutoFit/>
+          </a:bodyPr>
+          <a:lstStyle/>
+          <a:p>
+            <a:pPr algn="ctr"/>
+            <a:endParaRPr lang="en-US" dirty="0" smtClean="0"/>
+          </a:p>
+          <a:p>
+            <a:pPr algn="ctr"/>
+            <a:endParaRPr lang="en-US" dirty="0"/>
+          </a:p>
+          <a:p>
+            <a:pPr algn="ctr"/>
+            <a:r>
+              <a:rPr lang="en-US" dirty="0" smtClean="0"/>
+              <a:t>Please leave this area blank to allow for picture in picture recording</a:t>
+            </a:r>
+          </a:p>
+          <a:p>
+            <a:pPr algn="ctr"/>
+            <a:endParaRPr lang="en-US" dirty="0"/>
+          </a:p>
+        </p:txBody>
+      </p:sp>
+    </p:spTree>
+    <p:extLst>
+      <p:ext uri="{BB962C8B-B14F-4D97-AF65-F5344CB8AC3E}">
+        <p14:creationId xmlns:p14="http://schemas.microsoft.com/office/powerpoint/2010/main" val="778148500"/>
+      </p:ext>
+    </p:extLst>
+  </p:cSld>
+  <p:clrMapOvr>
+    <a:masterClrMapping/>
+  </p:clrMapOvr>
+  <p:timing>
+    <p:tnLst>
+      <p:par>
+        <p:cTn id="1" dur="indefinite" restart="never" nodeType="tmRoot"/>
+      </p:par>
+    </p:tnLst>
+  </p:timing>
+</p:sld>
+</file>
+
+<file path=ppt/slides/slide14.xml><?xml version="1.0" encoding="utf-8"?>
+<p:sld xmlns:a="http://schemas.openxmlformats.org/drawingml/2006/main" xmlns:r="http://schemas.openxmlformats.org/officeDocument/2006/relationships" xmlns:p="http://schemas.openxmlformats.org/presentationml/2006/main">
+  <p:cSld>
+    <p:spTree>
+      <p:nvGrpSpPr>
+        <p:cNvPr id="1" name=""/>
+        <p:cNvGrpSpPr/>
+        <p:nvPr/>
+      </p:nvGrpSpPr>
+      <p:grpSpPr>
+        <a:xfrm>
+          <a:off x="0" y="0"/>
+          <a:ext cx="0" cy="0"/>
+          <a:chOff x="0" y="0"/>
+          <a:chExt cx="0" cy="0"/>
+        </a:xfrm>
+      </p:grpSpPr>
+      <p:sp>
+        <p:nvSpPr>
+          <p:cNvPr id="2" name="Title 1"/>
+          <p:cNvSpPr>
+            <a:spLocks noGrp="1"/>
+          </p:cNvSpPr>
+          <p:nvPr>
+            <p:ph type="title"/>
+          </p:nvPr>
+        </p:nvSpPr>
+        <p:spPr/>
+        <p:txBody>
+          <a:bodyPr/>
+          <a:lstStyle/>
+          <a:p>
+            <a:r>
+              <a:rPr lang="en-US" dirty="0" smtClean="0"/>
+              <a:t>Scheduling</a:t>
+            </a:r>
+            <a:endParaRPr lang="en-US" dirty="0"/>
+          </a:p>
+        </p:txBody>
+      </p:sp>
+      <p:pic>
+        <p:nvPicPr>
+          <p:cNvPr id="5" name="Content Placeholder 4"/>
+          <p:cNvPicPr>
+            <a:picLocks noGrp="1" noChangeAspect="1"/>
+          </p:cNvPicPr>
+          <p:nvPr>
+            <p:ph sz="quarter" idx="10"/>
+          </p:nvPr>
+        </p:nvPicPr>
+        <p:blipFill>
+          <a:blip r:embed="rId3">
+            <a:extLst>
+              <a:ext uri="{28A0092B-C50C-407E-A947-70E740481C1C}">
+                <a14:useLocalDpi xmlns:a14="http://schemas.microsoft.com/office/drawing/2010/main" val="0"/>
+              </a:ext>
+            </a:extLst>
+          </a:blip>
+          <a:stretch>
+            <a:fillRect/>
+          </a:stretch>
+        </p:blipFill>
+        <p:spPr>
+          <a:xfrm>
+            <a:off x="4099681" y="1076390"/>
+            <a:ext cx="4084097" cy="5291138"/>
+          </a:xfrm>
+        </p:spPr>
+      </p:pic>
+      <p:sp>
+        <p:nvSpPr>
+          <p:cNvPr id="6" name="TextBox 5"/>
+          <p:cNvSpPr txBox="1"/>
+          <p:nvPr/>
+        </p:nvSpPr>
+        <p:spPr>
+          <a:xfrm>
+            <a:off x="9906000" y="-1"/>
+            <a:ext cx="2286000" cy="2031325"/>
+          </a:xfrm>
+          <a:prstGeom prst="rect">
+            <a:avLst/>
+          </a:prstGeom>
+          <a:solidFill>
+            <a:srgbClr val="FFFF00"/>
+          </a:solidFill>
+          <a:ln>
+            <a:noFill/>
+          </a:ln>
+        </p:spPr>
+        <p:txBody>
+          <a:bodyPr wrap="square" rtlCol="0">
+            <a:spAutoFit/>
+          </a:bodyPr>
+          <a:lstStyle/>
+          <a:p>
+            <a:pPr algn="ctr"/>
+            <a:endParaRPr lang="en-US" dirty="0" smtClean="0"/>
+          </a:p>
+          <a:p>
+            <a:pPr algn="ctr"/>
+            <a:endParaRPr lang="en-US" dirty="0"/>
+          </a:p>
+          <a:p>
+            <a:pPr algn="ctr"/>
+            <a:r>
+              <a:rPr lang="en-US" dirty="0" smtClean="0"/>
+              <a:t>Please leave this area blank to allow for picture in picture recording</a:t>
+            </a:r>
+          </a:p>
+          <a:p>
+            <a:pPr algn="ctr"/>
+            <a:endParaRPr lang="en-US" dirty="0"/>
+          </a:p>
+        </p:txBody>
+      </p:sp>
+    </p:spTree>
+    <p:extLst>
+      <p:ext uri="{BB962C8B-B14F-4D97-AF65-F5344CB8AC3E}">
+        <p14:creationId xmlns:p14="http://schemas.microsoft.com/office/powerpoint/2010/main" val="3832879683"/>
+      </p:ext>
+    </p:extLst>
+  </p:cSld>
+  <p:clrMapOvr>
+    <a:masterClrMapping/>
+  </p:clrMapOvr>
+  <p:timing>
+    <p:tnLst>
+      <p:par>
+        <p:cTn id="1" dur="indefinite" restart="never" nodeType="tmRoot"/>
+      </p:par>
+    </p:tnLst>
+  </p:timing>
+</p:sld>
+</file>
+
+<file path=ppt/slides/slide15.xml><?xml version="1.0" encoding="utf-8"?>
+<p:sld xmlns:a="http://schemas.openxmlformats.org/drawingml/2006/main" xmlns:r="http://schemas.openxmlformats.org/officeDocument/2006/relationships" xmlns:p="http://schemas.openxmlformats.org/presentationml/2006/main">
+  <p:cSld>
+    <p:spTree>
+      <p:nvGrpSpPr>
+        <p:cNvPr id="1" name=""/>
+        <p:cNvGrpSpPr/>
+        <p:nvPr/>
+      </p:nvGrpSpPr>
+      <p:grpSpPr>
+        <a:xfrm>
+          <a:off x="0" y="0"/>
+          <a:ext cx="0" cy="0"/>
+          <a:chOff x="0" y="0"/>
+          <a:chExt cx="0" cy="0"/>
+        </a:xfrm>
+      </p:grpSpPr>
+      <p:sp>
+        <p:nvSpPr>
+          <p:cNvPr id="2" name="Title 1"/>
+          <p:cNvSpPr>
+            <a:spLocks noGrp="1"/>
+          </p:cNvSpPr>
+          <p:nvPr>
+            <p:ph type="title"/>
+          </p:nvPr>
+        </p:nvSpPr>
+        <p:spPr/>
+        <p:txBody>
+          <a:bodyPr/>
+          <a:lstStyle/>
+          <a:p>
+            <a:r>
+              <a:rPr lang="en-US" dirty="0" smtClean="0"/>
+              <a:t>Scaling</a:t>
+            </a:r>
+            <a:endParaRPr lang="en-US" dirty="0"/>
+          </a:p>
+        </p:txBody>
+      </p:sp>
+      <p:sp>
+        <p:nvSpPr>
+          <p:cNvPr id="6" name="TextBox 5"/>
+          <p:cNvSpPr txBox="1"/>
+          <p:nvPr/>
+        </p:nvSpPr>
+        <p:spPr>
+          <a:xfrm>
+            <a:off x="9906000" y="-1"/>
+            <a:ext cx="2286000" cy="2031325"/>
+          </a:xfrm>
+          <a:prstGeom prst="rect">
+            <a:avLst/>
+          </a:prstGeom>
+          <a:solidFill>
+            <a:srgbClr val="FFFF00"/>
+          </a:solidFill>
+          <a:ln>
+            <a:noFill/>
+          </a:ln>
+        </p:spPr>
+        <p:txBody>
+          <a:bodyPr wrap="square" rtlCol="0">
+            <a:spAutoFit/>
+          </a:bodyPr>
+          <a:lstStyle/>
+          <a:p>
+            <a:pPr algn="ctr"/>
+            <a:endParaRPr lang="en-US" dirty="0" smtClean="0"/>
+          </a:p>
+          <a:p>
+            <a:pPr algn="ctr"/>
+            <a:endParaRPr lang="en-US" dirty="0"/>
+          </a:p>
+          <a:p>
+            <a:pPr algn="ctr"/>
+            <a:r>
+              <a:rPr lang="en-US" dirty="0" smtClean="0"/>
+              <a:t>Please leave this area blank to allow for picture in picture recording</a:t>
+            </a:r>
+          </a:p>
+          <a:p>
+            <a:pPr algn="ctr"/>
+            <a:endParaRPr lang="en-US" dirty="0"/>
+          </a:p>
+        </p:txBody>
+      </p:sp>
+      <p:pic>
+        <p:nvPicPr>
+          <p:cNvPr id="4" name="Content Placeholder 3"/>
+          <p:cNvPicPr>
+            <a:picLocks noGrp="1" noChangeAspect="1"/>
+          </p:cNvPicPr>
+          <p:nvPr>
+            <p:ph sz="quarter" idx="10"/>
+          </p:nvPr>
+        </p:nvPicPr>
+        <p:blipFill>
+          <a:blip r:embed="rId3">
+            <a:extLst>
+              <a:ext uri="{28A0092B-C50C-407E-A947-70E740481C1C}">
+                <a14:useLocalDpi xmlns:a14="http://schemas.microsoft.com/office/drawing/2010/main" val="0"/>
+              </a:ext>
+            </a:extLst>
+          </a:blip>
+          <a:stretch>
+            <a:fillRect/>
+          </a:stretch>
+        </p:blipFill>
+        <p:spPr>
+          <a:xfrm>
+            <a:off x="3112892" y="531183"/>
+            <a:ext cx="6096000" cy="4533900"/>
+          </a:xfrm>
+        </p:spPr>
+      </p:pic>
+    </p:spTree>
+    <p:extLst>
+      <p:ext uri="{BB962C8B-B14F-4D97-AF65-F5344CB8AC3E}">
+        <p14:creationId xmlns:p14="http://schemas.microsoft.com/office/powerpoint/2010/main" val="1044138173"/>
+      </p:ext>
+    </p:extLst>
+  </p:cSld>
+  <p:clrMapOvr>
+    <a:masterClrMapping/>
+  </p:clrMapOvr>
+  <p:timing>
+    <p:tnLst>
+      <p:par>
+        <p:cTn id="1" dur="indefinite" restart="never" nodeType="tmRoot"/>
+      </p:par>
+    </p:tnLst>
+  </p:timing>
+</p:sld>
+</file>
+
+<file path=ppt/slides/slide16.xml><?xml version="1.0" encoding="utf-8"?>
+<p:sld xmlns:a="http://schemas.openxmlformats.org/drawingml/2006/main" xmlns:r="http://schemas.openxmlformats.org/officeDocument/2006/relationships" xmlns:p="http://schemas.openxmlformats.org/presentationml/2006/main">
+  <p:cSld>
+    <p:spTree>
+      <p:nvGrpSpPr>
+        <p:cNvPr id="1" name=""/>
+        <p:cNvGrpSpPr/>
+        <p:nvPr/>
+      </p:nvGrpSpPr>
+      <p:grpSpPr>
+        <a:xfrm>
+          <a:off x="0" y="0"/>
+          <a:ext cx="0" cy="0"/>
+          <a:chOff x="0" y="0"/>
+          <a:chExt cx="0" cy="0"/>
+        </a:xfrm>
+      </p:grpSpPr>
+      <p:sp>
+        <p:nvSpPr>
+          <p:cNvPr id="2" name="Title 1"/>
+          <p:cNvSpPr>
+            <a:spLocks noGrp="1"/>
+          </p:cNvSpPr>
+          <p:nvPr>
+            <p:ph type="title"/>
+          </p:nvPr>
+        </p:nvSpPr>
+        <p:spPr/>
+        <p:txBody>
+          <a:bodyPr/>
+          <a:lstStyle/>
+          <a:p>
+            <a:r>
+              <a:rPr lang="en-US" dirty="0" smtClean="0"/>
+              <a:t>Cost</a:t>
+            </a:r>
+            <a:endParaRPr lang="en-US" dirty="0"/>
+          </a:p>
+        </p:txBody>
+      </p:sp>
+      <p:sp>
+        <p:nvSpPr>
+          <p:cNvPr id="3" name="Content Placeholder 2"/>
+          <p:cNvSpPr>
+            <a:spLocks noGrp="1"/>
+          </p:cNvSpPr>
+          <p:nvPr>
+            <p:ph sz="quarter" idx="10"/>
+          </p:nvPr>
+        </p:nvSpPr>
+        <p:spPr/>
+        <p:txBody>
+          <a:bodyPr/>
+          <a:lstStyle/>
+          <a:p>
+            <a:r>
+              <a:rPr lang="en-US" dirty="0" smtClean="0"/>
+              <a:t>Only the cost of the underlying resources</a:t>
+            </a:r>
+          </a:p>
+          <a:p>
+            <a:pPr lvl="1"/>
+            <a:r>
+              <a:rPr lang="en-US" dirty="0" smtClean="0"/>
+              <a:t>Blob storage</a:t>
+            </a:r>
+          </a:p>
+          <a:p>
+            <a:pPr lvl="1"/>
+            <a:r>
+              <a:rPr lang="en-US" dirty="0" smtClean="0"/>
+              <a:t>Compute </a:t>
+            </a:r>
+          </a:p>
+          <a:p>
+            <a:pPr lvl="1"/>
+            <a:r>
+              <a:rPr lang="en-US" dirty="0" smtClean="0"/>
+              <a:t>Anything else used by the tasks</a:t>
+            </a:r>
+            <a:endParaRPr lang="en-US" dirty="0"/>
+          </a:p>
+        </p:txBody>
+      </p:sp>
+    </p:spTree>
+    <p:extLst>
+      <p:ext uri="{BB962C8B-B14F-4D97-AF65-F5344CB8AC3E}">
+        <p14:creationId xmlns:p14="http://schemas.microsoft.com/office/powerpoint/2010/main" val="2759521972"/>
+      </p:ext>
+    </p:extLst>
+  </p:cSld>
+  <p:clrMapOvr>
+    <a:masterClrMapping/>
+  </p:clrMapOvr>
+  <p:timing>
+    <p:tnLst>
+      <p:par>
+        <p:cTn id="1" dur="indefinite" restart="never" nodeType="tmRoot"/>
+      </p:par>
+    </p:tnLst>
+  </p:timing>
+</p:sld>
+</file>
+
+<file path=ppt/slides/slide17.xml><?xml version="1.0" encoding="utf-8"?>
 <p:sld xmlns:a="http://schemas.openxmlformats.org/drawingml/2006/main" xmlns:r="http://schemas.openxmlformats.org/officeDocument/2006/relationships" xmlns:p="http://schemas.openxmlformats.org/presentationml/2006/main">
   <p:cSld>
     <p:spTree>
